--- a/Presentatie/Microservices 103.pptx
+++ b/Presentatie/Microservices 103.pptx
@@ -5,18 +5,19 @@
     <p:sldMasterId id="2147483648" r:id="rId4"/>
   </p:sldMasterIdLst>
   <p:notesMasterIdLst>
-    <p:notesMasterId r:id="rId11"/>
+    <p:notesMasterId r:id="rId12"/>
   </p:notesMasterIdLst>
   <p:handoutMasterIdLst>
-    <p:handoutMasterId r:id="rId12"/>
+    <p:handoutMasterId r:id="rId13"/>
   </p:handoutMasterIdLst>
   <p:sldIdLst>
     <p:sldId id="257" r:id="rId5"/>
     <p:sldId id="259" r:id="rId6"/>
     <p:sldId id="272" r:id="rId7"/>
     <p:sldId id="278" r:id="rId8"/>
-    <p:sldId id="277" r:id="rId9"/>
-    <p:sldId id="264" r:id="rId10"/>
+    <p:sldId id="279" r:id="rId9"/>
+    <p:sldId id="277" r:id="rId10"/>
+    <p:sldId id="264" r:id="rId11"/>
   </p:sldIdLst>
   <p:sldSz cx="9144000" cy="6858000" type="screen4x3"/>
   <p:notesSz cx="6858000" cy="9144000"/>
@@ -229,7 +230,7 @@
           <a:p>
             <a:fld id="{4FDA5BBF-9A9E-E34C-87D2-CD6D1CA60245}" type="datetime1">
               <a:rPr lang="en-US" smtClean="0"/>
-              <a:t>10/17/2018</a:t>
+              <a:t>11/14/2018</a:t>
             </a:fld>
             <a:endParaRPr lang="en-US" dirty="0"/>
           </a:p>
@@ -395,7 +396,7 @@
           <a:p>
             <a:fld id="{FE5FB5CF-D153-1544-8329-2FC1F4ABF24D}" type="datetime1">
               <a:rPr lang="en-US" smtClean="0"/>
-              <a:t>10/17/2018</a:t>
+              <a:t>11/14/2018</a:t>
             </a:fld>
             <a:endParaRPr lang="nl-NL" dirty="0"/>
           </a:p>
@@ -1432,7 +1433,7 @@
           <a:p>
             <a:fld id="{2DB1139D-5AC7-4B0B-A715-E40E0591EF82}" type="slidenum">
               <a:rPr lang="nl-NL" smtClean="0"/>
-              <a:t>6</a:t>
+              <a:t>7</a:t>
             </a:fld>
             <a:endParaRPr lang="nl-NL" dirty="0"/>
           </a:p>
@@ -1602,7 +1603,7 @@
           <a:p>
             <a:fld id="{69E2E37C-AA1E-43B2-B213-E688D587CE49}" type="datetime4">
               <a:rPr lang="nl-NL" smtClean="0"/>
-              <a:t>17 oktober 2018</a:t>
+              <a:t>14 november 2018</a:t>
             </a:fld>
             <a:endParaRPr lang="nl-NL" dirty="0"/>
           </a:p>
@@ -1719,7 +1720,7 @@
           <a:p>
             <a:fld id="{96BF97C2-7262-427C-9F3E-B0D6D33F54E2}" type="datetime4">
               <a:rPr lang="nl-NL" smtClean="0"/>
-              <a:t>17 oktober 2018</a:t>
+              <a:t>14 november 2018</a:t>
             </a:fld>
             <a:endParaRPr lang="nl-NL" dirty="0"/>
           </a:p>
@@ -1943,7 +1944,7 @@
           <a:p>
             <a:fld id="{AB63B3A2-628B-479E-BF05-5959017C6A02}" type="datetime4">
               <a:rPr lang="nl-NL" smtClean="0"/>
-              <a:t>17 oktober 2018</a:t>
+              <a:t>14 november 2018</a:t>
             </a:fld>
             <a:endParaRPr lang="nl-NL" dirty="0"/>
           </a:p>
@@ -2210,7 +2211,7 @@
             <a:fld id="{249B52C1-75DC-496B-AF3F-4978B95BB865}" type="datetime4">
               <a:rPr lang="nl-NL" smtClean="0"/>
               <a:pPr/>
-              <a:t>17 oktober 2018</a:t>
+              <a:t>14 november 2018</a:t>
             </a:fld>
             <a:endParaRPr lang="nl-NL" dirty="0"/>
           </a:p>
@@ -2306,7 +2307,7 @@
           <a:p>
             <a:fld id="{8D31B592-DB5E-43FC-B016-67E26C01643F}" type="datetime4">
               <a:rPr lang="nl-NL" smtClean="0"/>
-              <a:t>17 oktober 2018</a:t>
+              <a:t>14 november 2018</a:t>
             </a:fld>
             <a:endParaRPr lang="nl-NL" dirty="0"/>
           </a:p>
@@ -2516,7 +2517,7 @@
           <a:p>
             <a:fld id="{92E94904-3BB7-4874-AB8B-F31F00F8A078}" type="datetime4">
               <a:rPr lang="nl-NL" smtClean="0"/>
-              <a:t>17 oktober 2018</a:t>
+              <a:t>14 november 2018</a:t>
             </a:fld>
             <a:endParaRPr lang="nl-NL" dirty="0"/>
           </a:p>
@@ -2697,7 +2698,7 @@
           <a:p>
             <a:fld id="{A9642D5E-8E53-4D94-8479-CCF9387ED904}" type="datetime4">
               <a:rPr lang="nl-NL" smtClean="0"/>
-              <a:t>17 oktober 2018</a:t>
+              <a:t>14 november 2018</a:t>
             </a:fld>
             <a:endParaRPr lang="nl-NL" dirty="0"/>
           </a:p>
@@ -2912,7 +2913,7 @@
           <a:p>
             <a:fld id="{87D76D0B-AA25-481F-9FCE-BD155C5A6085}" type="datetime4">
               <a:rPr lang="nl-NL" smtClean="0"/>
-              <a:t>17 oktober 2018</a:t>
+              <a:t>14 november 2018</a:t>
             </a:fld>
             <a:endParaRPr lang="nl-NL" dirty="0"/>
           </a:p>
@@ -3124,7 +3125,7 @@
           <a:p>
             <a:fld id="{88C11819-B839-4C27-8B45-7170CEF46D62}" type="datetime4">
               <a:rPr lang="nl-NL" smtClean="0"/>
-              <a:t>17 oktober 2018</a:t>
+              <a:t>14 november 2018</a:t>
             </a:fld>
             <a:endParaRPr lang="nl-NL" dirty="0"/>
           </a:p>
@@ -3339,7 +3340,7 @@
           <a:p>
             <a:fld id="{174613E7-29CA-4C1D-88BD-FA51696C19FE}" type="datetime4">
               <a:rPr lang="nl-NL" smtClean="0"/>
-              <a:t>17 oktober 2018</a:t>
+              <a:t>14 november 2018</a:t>
             </a:fld>
             <a:endParaRPr lang="nl-NL" dirty="0"/>
           </a:p>
@@ -3532,7 +3533,7 @@
           <a:p>
             <a:fld id="{9F389A9C-5452-4AF4-8D69-2209042ED2AB}" type="datetime4">
               <a:rPr lang="nl-NL" smtClean="0"/>
-              <a:t>17 oktober 2018</a:t>
+              <a:t>14 november 2018</a:t>
             </a:fld>
             <a:endParaRPr lang="nl-NL" dirty="0"/>
           </a:p>
@@ -3736,7 +3737,7 @@
           <a:p>
             <a:fld id="{59ABBC3E-A20C-4DEE-9D7A-437B797B148A}" type="datetime4">
               <a:rPr lang="nl-NL" smtClean="0"/>
-              <a:t>17 oktober 2018</a:t>
+              <a:t>14 november 2018</a:t>
             </a:fld>
             <a:r>
               <a:rPr lang="en-US"/>
@@ -4229,7 +4230,7 @@
           <a:p>
             <a:fld id="{E8809DAD-F941-4A15-ABB1-44FA32742BE9}" type="datetime4">
               <a:rPr lang="nl-NL" smtClean="0"/>
-              <a:t>17 oktober 2018</a:t>
+              <a:t>14 november 2018</a:t>
             </a:fld>
             <a:endParaRPr lang="nl-NL" dirty="0"/>
           </a:p>
@@ -4656,7 +4657,7 @@
           <a:p>
             <a:r>
               <a:rPr lang="nl-NL" cap="all" dirty="0"/>
-              <a:t>onderwerpen</a:t>
+              <a:t>topics</a:t>
             </a:r>
             <a:endParaRPr lang="nl-NL" dirty="0"/>
           </a:p>
@@ -4705,10 +4706,9 @@
               </a:spcAft>
             </a:pPr>
             <a:r>
-              <a:rPr lang="en-US" dirty="0" err="1"/>
-              <a:t>Nadelen</a:t>
-            </a:r>
-            <a:endParaRPr lang="nl-NL" dirty="0"/>
+              <a:rPr lang="en-US" dirty="0"/>
+              <a:t>Disadvantages</a:t>
+            </a:r>
           </a:p>
           <a:p>
             <a:pPr>
@@ -4717,8 +4717,12 @@
               </a:spcAft>
             </a:pPr>
             <a:r>
-              <a:rPr lang="en-US" dirty="0" err="1"/>
-              <a:t>Vragen</a:t>
+              <a:rPr lang="nl-NL" dirty="0"/>
+              <a:t>Live </a:t>
+            </a:r>
+            <a:r>
+              <a:rPr lang="nl-NL" dirty="0" err="1"/>
+              <a:t>demonstration</a:t>
             </a:r>
             <a:endParaRPr lang="nl-NL" dirty="0"/>
           </a:p>
@@ -4729,9 +4733,22 @@
               </a:spcAft>
             </a:pPr>
             <a:r>
-              <a:rPr lang="nl-NL" dirty="0"/>
-              <a:t>Referenties</a:t>
-            </a:r>
+              <a:rPr lang="en-US" dirty="0"/>
+              <a:t>Questions</a:t>
+            </a:r>
+            <a:endParaRPr lang="nl-NL" dirty="0"/>
+          </a:p>
+          <a:p>
+            <a:pPr>
+              <a:spcAft>
+                <a:spcPts val="600"/>
+              </a:spcAft>
+            </a:pPr>
+            <a:r>
+              <a:rPr lang="nl-NL" dirty="0" err="1"/>
+              <a:t>References</a:t>
+            </a:r>
+            <a:endParaRPr lang="nl-NL" dirty="0"/>
           </a:p>
         </p:txBody>
       </p:sp>
@@ -4795,7 +4812,7 @@
                   <a:srgbClr val="009036"/>
                 </a:solidFill>
               </a:rPr>
-              <a:t>17 oktober 2018</a:t>
+              <a:t>14 november 2018</a:t>
             </a:fld>
             <a:endParaRPr lang="nl-NL" sz="900" cap="all" dirty="0">
               <a:solidFill>
@@ -4959,20 +4976,8 @@
               </a:spcAft>
             </a:pPr>
             <a:r>
-              <a:rPr lang="en-US" dirty="0" err="1"/>
-              <a:t>Gevolgen</a:t>
-            </a:r>
-            <a:r>
               <a:rPr lang="en-US" dirty="0"/>
-              <a:t> </a:t>
-            </a:r>
-            <a:r>
-              <a:rPr lang="en-US" dirty="0" err="1"/>
-              <a:t>voor</a:t>
-            </a:r>
-            <a:r>
-              <a:rPr lang="en-US" dirty="0"/>
-              <a:t>:</a:t>
+              <a:t>Consequences for:</a:t>
             </a:r>
           </a:p>
           <a:p>
@@ -4982,10 +4987,9 @@
               </a:spcAft>
             </a:pPr>
             <a:r>
-              <a:rPr lang="en-US" dirty="0" err="1"/>
-              <a:t>bouw</a:t>
-            </a:r>
-            <a:endParaRPr lang="en-US" dirty="0"/>
+              <a:rPr lang="en-US" dirty="0"/>
+              <a:t>build</a:t>
+            </a:r>
           </a:p>
           <a:p>
             <a:pPr lvl="1">
@@ -5005,10 +5009,9 @@
               </a:spcAft>
             </a:pPr>
             <a:r>
-              <a:rPr lang="en-US" dirty="0" err="1"/>
-              <a:t>beheer</a:t>
-            </a:r>
-            <a:endParaRPr lang="en-US" dirty="0"/>
+              <a:rPr lang="en-US" dirty="0"/>
+              <a:t>maintenance</a:t>
+            </a:r>
           </a:p>
         </p:txBody>
       </p:sp>
@@ -5033,7 +5036,7 @@
                   <a:srgbClr val="009036"/>
                 </a:solidFill>
               </a:rPr>
-              <a:t>17 oktober 2018</a:t>
+              <a:t>14 november 2018</a:t>
             </a:fld>
             <a:endParaRPr lang="nl-NL" sz="900" cap="all" dirty="0">
               <a:solidFill>
@@ -5128,9 +5131,10 @@
           <a:lstStyle/>
           <a:p>
             <a:r>
-              <a:rPr lang="nl-NL" dirty="0"/>
-              <a:t>nadelen</a:t>
-            </a:r>
+              <a:rPr lang="nl-NL" dirty="0" err="1"/>
+              <a:t>disadvantages</a:t>
+            </a:r>
+            <a:endParaRPr lang="nl-NL" dirty="0"/>
           </a:p>
         </p:txBody>
       </p:sp>
@@ -5155,8 +5159,12 @@
               </a:spcAft>
             </a:pPr>
             <a:r>
+              <a:rPr lang="nl-NL" sz="2400" i="1" dirty="0"/>
+              <a:t>The </a:t>
+            </a:r>
+            <a:r>
               <a:rPr lang="nl-NL" sz="2400" dirty="0"/>
-              <a:t>Met stip op no 1: </a:t>
+              <a:t>no 1: </a:t>
             </a:r>
             <a:r>
               <a:rPr lang="nl-NL" sz="2400" b="1" dirty="0"/>
@@ -5172,7 +5180,23 @@
             </a:pPr>
             <a:r>
               <a:rPr lang="nl-NL" dirty="0"/>
-              <a:t>Architectenrol wordt belangrijker</a:t>
+              <a:t>The </a:t>
+            </a:r>
+            <a:r>
+              <a:rPr lang="nl-NL" dirty="0" err="1"/>
+              <a:t>role</a:t>
+            </a:r>
+            <a:r>
+              <a:rPr lang="nl-NL" dirty="0"/>
+              <a:t> of </a:t>
+            </a:r>
+            <a:r>
+              <a:rPr lang="nl-NL" dirty="0" err="1"/>
+              <a:t>the</a:t>
+            </a:r>
+            <a:r>
+              <a:rPr lang="nl-NL" dirty="0"/>
+              <a:t> architect is more important</a:t>
             </a:r>
           </a:p>
           <a:p>
@@ -5183,7 +5207,7 @@
             </a:pPr>
             <a:r>
               <a:rPr lang="nl-NL" dirty="0"/>
-              <a:t>Meer deployments</a:t>
+              <a:t>More deployments</a:t>
             </a:r>
           </a:p>
           <a:p>
@@ -5194,7 +5218,23 @@
             </a:pPr>
             <a:r>
               <a:rPr lang="nl-NL" dirty="0"/>
-              <a:t>Lastiger te beheren:</a:t>
+              <a:t>Harder </a:t>
+            </a:r>
+            <a:r>
+              <a:rPr lang="nl-NL" dirty="0" err="1"/>
+              <a:t>to</a:t>
+            </a:r>
+            <a:r>
+              <a:rPr lang="nl-NL" dirty="0"/>
+              <a:t> </a:t>
+            </a:r>
+            <a:r>
+              <a:rPr lang="nl-NL" dirty="0" err="1"/>
+              <a:t>maintain</a:t>
+            </a:r>
+            <a:r>
+              <a:rPr lang="nl-NL" dirty="0"/>
+              <a:t>:</a:t>
             </a:r>
           </a:p>
           <a:p>
@@ -5206,8 +5246,29 @@
             </a:pPr>
             <a:r>
               <a:rPr lang="nl-NL" sz="2000" dirty="0"/>
+              <a:t>more </a:t>
+            </a:r>
+            <a:r>
+              <a:rPr lang="nl-NL" sz="2000" dirty="0" err="1"/>
+              <a:t>and</a:t>
+            </a:r>
+            <a:r>
+              <a:rPr lang="nl-NL" sz="2000" dirty="0"/>
+              <a:t> </a:t>
+            </a:r>
+            <a:r>
+              <a:rPr lang="nl-NL" sz="2000" dirty="0" err="1"/>
+              <a:t>scattered</a:t>
+            </a:r>
+            <a:r>
+              <a:rPr lang="nl-NL" sz="2000" dirty="0"/>
+              <a:t> </a:t>
+            </a:r>
+            <a:r>
+              <a:rPr lang="nl-NL" sz="2000" dirty="0" err="1"/>
               <a:t>logging</a:t>
             </a:r>
+            <a:endParaRPr lang="nl-NL" sz="2000" dirty="0"/>
           </a:p>
           <a:p>
             <a:pPr marL="617537" lvl="3" indent="-263525">
@@ -5230,7 +5291,7 @@
             </a:pPr>
             <a:r>
               <a:rPr lang="nl-NL" sz="2000" dirty="0"/>
-              <a:t>foutanalyse</a:t>
+              <a:t>incident analysis</a:t>
             </a:r>
           </a:p>
           <a:p>
@@ -5240,8 +5301,12 @@
               </a:spcAft>
             </a:pPr>
             <a:r>
+              <a:rPr lang="nl-NL" dirty="0" err="1"/>
+              <a:t>Configuration</a:t>
+            </a:r>
+            <a:r>
               <a:rPr lang="nl-NL" dirty="0"/>
-              <a:t>Configuratiebeheer wordt complexer</a:t>
+              <a:t> management more complex</a:t>
             </a:r>
           </a:p>
           <a:p>
@@ -5252,7 +5317,15 @@
             </a:pPr>
             <a:r>
               <a:rPr lang="nl-NL" dirty="0"/>
-              <a:t>Een beetje meer </a:t>
+              <a:t>(</a:t>
+            </a:r>
+            <a:r>
+              <a:rPr lang="nl-NL" dirty="0" err="1"/>
+              <a:t>Some</a:t>
+            </a:r>
+            <a:r>
+              <a:rPr lang="nl-NL" dirty="0"/>
+              <a:t>) more </a:t>
             </a:r>
             <a:r>
               <a:rPr lang="nl-NL" dirty="0" err="1"/>
@@ -5286,7 +5359,7 @@
                   <a:srgbClr val="009036"/>
                 </a:solidFill>
               </a:rPr>
-              <a:t>17 oktober 2018</a:t>
+              <a:t>14 november 2018</a:t>
             </a:fld>
             <a:endParaRPr lang="nl-NL" sz="900" cap="all" dirty="0">
               <a:solidFill>
@@ -5607,12 +5680,12 @@
       </p:grpSpPr>
       <p:sp>
         <p:nvSpPr>
-          <p:cNvPr id="11" name="Titel 10"/>
-          <p:cNvSpPr>
-            <a:spLocks noGrp="1"/>
-          </p:cNvSpPr>
-          <p:nvPr>
-            <p:ph type="ctrTitle"/>
+          <p:cNvPr id="2" name="Title 1"/>
+          <p:cNvSpPr>
+            <a:spLocks noGrp="1"/>
+          </p:cNvSpPr>
+          <p:nvPr>
+            <p:ph type="title"/>
           </p:nvPr>
         </p:nvSpPr>
         <p:spPr/>
@@ -5620,153 +5693,123 @@
           <a:bodyPr/>
           <a:lstStyle/>
           <a:p>
+            <a:pPr>
+              <a:spcAft>
+                <a:spcPts val="600"/>
+              </a:spcAft>
+            </a:pPr>
             <a:r>
               <a:rPr lang="nl-NL" dirty="0"/>
-              <a:t>Vragen?</a:t>
-            </a:r>
-          </a:p>
-        </p:txBody>
-      </p:sp>
-      <p:sp>
-        <p:nvSpPr>
-          <p:cNvPr id="2" name="Tekstvak 1"/>
-          <p:cNvSpPr txBox="1"/>
-          <p:nvPr/>
-        </p:nvSpPr>
-        <p:spPr>
-          <a:xfrm>
-            <a:off x="634402" y="3851374"/>
-            <a:ext cx="2730235" cy="1323439"/>
-          </a:xfrm>
-          <a:prstGeom prst="rect">
-            <a:avLst/>
-          </a:prstGeom>
-          <a:noFill/>
-        </p:spPr>
-        <p:txBody>
-          <a:bodyPr wrap="none" rtlCol="0">
-            <a:spAutoFit/>
-          </a:bodyPr>
+              <a:t>live </a:t>
+            </a:r>
+            <a:r>
+              <a:rPr lang="nl-NL" dirty="0" err="1"/>
+              <a:t>demonstration</a:t>
+            </a:r>
+            <a:endParaRPr lang="nl-NL" dirty="0"/>
+          </a:p>
+        </p:txBody>
+      </p:sp>
+      <p:pic>
+        <p:nvPicPr>
+          <p:cNvPr id="7" name="Content Placeholder 6">
+            <a:extLst>
+              <a:ext uri="{FF2B5EF4-FFF2-40B4-BE49-F238E27FC236}">
+                <a16:creationId xmlns:a16="http://schemas.microsoft.com/office/drawing/2014/main" id="{B7D04C02-8251-430C-9F91-4D43669058DC}"/>
+              </a:ext>
+            </a:extLst>
+          </p:cNvPr>
+          <p:cNvPicPr>
+            <a:picLocks noGrp="1" noChangeAspect="1"/>
+          </p:cNvPicPr>
+          <p:nvPr>
+            <p:ph idx="1"/>
+          </p:nvPr>
+        </p:nvPicPr>
+        <p:blipFill rotWithShape="1">
+          <a:blip r:embed="rId2">
+            <a:extLst>
+              <a:ext uri="{28A0092B-C50C-407E-A947-70E740481C1C}">
+                <a14:useLocalDpi xmlns:a14="http://schemas.microsoft.com/office/drawing/2010/main" val="0"/>
+              </a:ext>
+            </a:extLst>
+          </a:blip>
+          <a:srcRect r="57281" b="3363"/>
+          <a:stretch/>
+        </p:blipFill>
+        <p:spPr>
+          <a:xfrm>
+            <a:off x="3153328" y="3129189"/>
+            <a:ext cx="2632364" cy="599621"/>
+          </a:xfrm>
+        </p:spPr>
+      </p:pic>
+      <p:sp>
+        <p:nvSpPr>
+          <p:cNvPr id="4" name="Date Placeholder 3"/>
+          <p:cNvSpPr>
+            <a:spLocks noGrp="1"/>
+          </p:cNvSpPr>
+          <p:nvPr>
+            <p:ph type="dt" sz="half" idx="10"/>
+          </p:nvPr>
+        </p:nvSpPr>
+        <p:spPr/>
+        <p:txBody>
+          <a:bodyPr vert="horz" lIns="91440" tIns="45720" rIns="91440" bIns="45720" rtlCol="0" anchor="ctr"/>
           <a:lstStyle/>
           <a:p>
-            <a:r>
-              <a:rPr lang="en-US" sz="1600" dirty="0">
+            <a:fld id="{B2AEA59B-01EB-45FF-9C78-C234F8428C87}" type="datetime4">
+              <a:rPr lang="nl-NL" sz="900" cap="all" smtClean="0">
                 <a:solidFill>
-                  <a:schemeClr val="bg1"/>
+                  <a:srgbClr val="009036"/>
                 </a:solidFill>
-                <a:latin typeface="Arial"/>
-                <a:cs typeface="Arial"/>
               </a:rPr>
-              <a:t>Johannes Sim</a:t>
-            </a:r>
-          </a:p>
-          <a:p>
-            <a:r>
-              <a:rPr lang="en-US" sz="1600" dirty="0">
+              <a:t>14 november 2018</a:t>
+            </a:fld>
+            <a:endParaRPr lang="nl-NL" sz="900" cap="all" dirty="0">
+              <a:solidFill>
+                <a:srgbClr val="009036"/>
+              </a:solidFill>
+            </a:endParaRPr>
+          </a:p>
+        </p:txBody>
+      </p:sp>
+      <p:sp>
+        <p:nvSpPr>
+          <p:cNvPr id="5" name="Footer Placeholder 4"/>
+          <p:cNvSpPr>
+            <a:spLocks noGrp="1"/>
+          </p:cNvSpPr>
+          <p:nvPr>
+            <p:ph type="ftr" sz="quarter" idx="11"/>
+          </p:nvPr>
+        </p:nvSpPr>
+        <p:spPr/>
+        <p:txBody>
+          <a:bodyPr vert="horz" lIns="91440" tIns="45720" rIns="91440" bIns="45720" rtlCol="0" anchor="ctr"/>
+          <a:lstStyle/>
+          <a:p>
+            <a:r>
+              <a:rPr lang="nl-NL">
                 <a:solidFill>
-                  <a:schemeClr val="bg1"/>
+                  <a:srgbClr val="009036"/>
                 </a:solidFill>
-                <a:latin typeface="Arial"/>
-                <a:cs typeface="Arial"/>
               </a:rPr>
-              <a:t>johannes.sim@centric.eu</a:t>
-            </a:r>
-          </a:p>
-          <a:p>
-            <a:endParaRPr lang="nl-NL" sz="1600" dirty="0">
+              <a:t>Johannes Sim &amp; Renzo veldkamp</a:t>
+            </a:r>
+            <a:endParaRPr lang="nl-NL" dirty="0">
               <a:solidFill>
-                <a:schemeClr val="bg1"/>
+                <a:srgbClr val="009036"/>
               </a:solidFill>
-              <a:latin typeface="Arial"/>
-              <a:cs typeface="Arial"/>
             </a:endParaRPr>
-          </a:p>
-          <a:p>
-            <a:r>
-              <a:rPr lang="nl-NL" sz="1600" dirty="0">
-                <a:solidFill>
-                  <a:schemeClr val="bg1"/>
-                </a:solidFill>
-                <a:latin typeface="Arial"/>
-                <a:cs typeface="Arial"/>
-              </a:rPr>
-              <a:t>Renzo Veldkamp</a:t>
-            </a:r>
-          </a:p>
-          <a:p>
-            <a:r>
-              <a:rPr lang="nl-NL" sz="1600" dirty="0">
-                <a:solidFill>
-                  <a:schemeClr val="bg1"/>
-                </a:solidFill>
-                <a:latin typeface="Arial"/>
-                <a:cs typeface="Arial"/>
-              </a:rPr>
-              <a:t>renzo.veldkamp@centric.eu</a:t>
-            </a:r>
-          </a:p>
-        </p:txBody>
-      </p:sp>
-      <p:sp>
-        <p:nvSpPr>
-          <p:cNvPr id="5" name="Date Placeholder 4"/>
-          <p:cNvSpPr>
-            <a:spLocks noGrp="1"/>
-          </p:cNvSpPr>
-          <p:nvPr>
-            <p:ph type="dt" sz="half" idx="10"/>
-          </p:nvPr>
-        </p:nvSpPr>
-        <p:spPr/>
-        <p:txBody>
-          <a:bodyPr/>
-          <a:lstStyle/>
-          <a:p>
-            <a:fld id="{6C8F2B54-89D2-4D0B-81B9-EBE704C6250E}" type="datetime4">
-              <a:rPr lang="nl-NL" smtClean="0"/>
-              <a:t>17 oktober 2018</a:t>
-            </a:fld>
-            <a:endParaRPr lang="nl-NL" dirty="0"/>
-          </a:p>
-        </p:txBody>
-      </p:sp>
-      <p:sp>
-        <p:nvSpPr>
-          <p:cNvPr id="6" name="Footer Placeholder 5"/>
-          <p:cNvSpPr>
-            <a:spLocks noGrp="1"/>
-          </p:cNvSpPr>
-          <p:nvPr>
-            <p:ph type="ftr" sz="quarter" idx="11"/>
-          </p:nvPr>
-        </p:nvSpPr>
-        <p:spPr/>
-        <p:txBody>
-          <a:bodyPr/>
-          <a:lstStyle/>
-          <a:p>
-            <a:r>
-              <a:rPr lang="en-US" dirty="0"/>
-              <a:t>Johannes Sim &amp;</a:t>
-            </a:r>
-          </a:p>
-          <a:p>
-            <a:r>
-              <a:rPr lang="en-US" dirty="0"/>
-              <a:t>Renzo </a:t>
-            </a:r>
-            <a:r>
-              <a:rPr lang="en-US" dirty="0" err="1"/>
-              <a:t>veldkamp</a:t>
-            </a:r>
-            <a:endParaRPr lang="nl-NL" dirty="0"/>
           </a:p>
         </p:txBody>
       </p:sp>
     </p:spTree>
     <p:extLst>
       <p:ext uri="{BB962C8B-B14F-4D97-AF65-F5344CB8AC3E}">
-        <p14:creationId xmlns:p14="http://schemas.microsoft.com/office/powerpoint/2010/main" val="1991217779"/>
+        <p14:creationId xmlns:p14="http://schemas.microsoft.com/office/powerpoint/2010/main" val="3945666174"/>
       </p:ext>
     </p:extLst>
   </p:cSld>
@@ -5795,12 +5838,12 @@
       </p:grpSpPr>
       <p:sp>
         <p:nvSpPr>
-          <p:cNvPr id="2" name="Title 1"/>
-          <p:cNvSpPr>
-            <a:spLocks noGrp="1"/>
-          </p:cNvSpPr>
-          <p:nvPr>
-            <p:ph type="title"/>
+          <p:cNvPr id="11" name="Titel 10"/>
+          <p:cNvSpPr>
+            <a:spLocks noGrp="1"/>
+          </p:cNvSpPr>
+          <p:nvPr>
+            <p:ph type="ctrTitle"/>
           </p:nvPr>
         </p:nvSpPr>
         <p:spPr/>
@@ -5809,9 +5852,202 @@
           <a:lstStyle/>
           <a:p>
             <a:r>
+              <a:rPr lang="nl-NL" dirty="0" err="1"/>
+              <a:t>Questions</a:t>
+            </a:r>
+            <a:r>
               <a:rPr lang="nl-NL" dirty="0"/>
-              <a:t>referenties</a:t>
-            </a:r>
+              <a:t>?</a:t>
+            </a:r>
+          </a:p>
+        </p:txBody>
+      </p:sp>
+      <p:sp>
+        <p:nvSpPr>
+          <p:cNvPr id="2" name="Tekstvak 1"/>
+          <p:cNvSpPr txBox="1"/>
+          <p:nvPr/>
+        </p:nvSpPr>
+        <p:spPr>
+          <a:xfrm>
+            <a:off x="634402" y="3851374"/>
+            <a:ext cx="2730235" cy="1323439"/>
+          </a:xfrm>
+          <a:prstGeom prst="rect">
+            <a:avLst/>
+          </a:prstGeom>
+          <a:noFill/>
+        </p:spPr>
+        <p:txBody>
+          <a:bodyPr wrap="none" rtlCol="0">
+            <a:spAutoFit/>
+          </a:bodyPr>
+          <a:lstStyle/>
+          <a:p>
+            <a:r>
+              <a:rPr lang="en-US" sz="1600" dirty="0">
+                <a:solidFill>
+                  <a:schemeClr val="bg1"/>
+                </a:solidFill>
+                <a:latin typeface="Arial"/>
+                <a:cs typeface="Arial"/>
+              </a:rPr>
+              <a:t>Johannes Sim</a:t>
+            </a:r>
+          </a:p>
+          <a:p>
+            <a:r>
+              <a:rPr lang="en-US" sz="1600" dirty="0">
+                <a:solidFill>
+                  <a:schemeClr val="bg1"/>
+                </a:solidFill>
+                <a:latin typeface="Arial"/>
+                <a:cs typeface="Arial"/>
+              </a:rPr>
+              <a:t>johannes.sim@centric.eu</a:t>
+            </a:r>
+          </a:p>
+          <a:p>
+            <a:endParaRPr lang="nl-NL" sz="1600" dirty="0">
+              <a:solidFill>
+                <a:schemeClr val="bg1"/>
+              </a:solidFill>
+              <a:latin typeface="Arial"/>
+              <a:cs typeface="Arial"/>
+            </a:endParaRPr>
+          </a:p>
+          <a:p>
+            <a:r>
+              <a:rPr lang="nl-NL" sz="1600" dirty="0">
+                <a:solidFill>
+                  <a:schemeClr val="bg1"/>
+                </a:solidFill>
+                <a:latin typeface="Arial"/>
+                <a:cs typeface="Arial"/>
+              </a:rPr>
+              <a:t>Renzo Veldkamp</a:t>
+            </a:r>
+          </a:p>
+          <a:p>
+            <a:r>
+              <a:rPr lang="nl-NL" sz="1600" dirty="0">
+                <a:solidFill>
+                  <a:schemeClr val="bg1"/>
+                </a:solidFill>
+                <a:latin typeface="Arial"/>
+                <a:cs typeface="Arial"/>
+              </a:rPr>
+              <a:t>renzo.veldkamp@centric.eu</a:t>
+            </a:r>
+          </a:p>
+        </p:txBody>
+      </p:sp>
+      <p:sp>
+        <p:nvSpPr>
+          <p:cNvPr id="5" name="Date Placeholder 4"/>
+          <p:cNvSpPr>
+            <a:spLocks noGrp="1"/>
+          </p:cNvSpPr>
+          <p:nvPr>
+            <p:ph type="dt" sz="half" idx="10"/>
+          </p:nvPr>
+        </p:nvSpPr>
+        <p:spPr/>
+        <p:txBody>
+          <a:bodyPr/>
+          <a:lstStyle/>
+          <a:p>
+            <a:fld id="{6C8F2B54-89D2-4D0B-81B9-EBE704C6250E}" type="datetime4">
+              <a:rPr lang="nl-NL" smtClean="0"/>
+              <a:t>14 november 2018</a:t>
+            </a:fld>
+            <a:endParaRPr lang="nl-NL" dirty="0"/>
+          </a:p>
+        </p:txBody>
+      </p:sp>
+      <p:sp>
+        <p:nvSpPr>
+          <p:cNvPr id="6" name="Footer Placeholder 5"/>
+          <p:cNvSpPr>
+            <a:spLocks noGrp="1"/>
+          </p:cNvSpPr>
+          <p:nvPr>
+            <p:ph type="ftr" sz="quarter" idx="11"/>
+          </p:nvPr>
+        </p:nvSpPr>
+        <p:spPr/>
+        <p:txBody>
+          <a:bodyPr/>
+          <a:lstStyle/>
+          <a:p>
+            <a:r>
+              <a:rPr lang="en-US" dirty="0"/>
+              <a:t>Johannes Sim &amp;</a:t>
+            </a:r>
+          </a:p>
+          <a:p>
+            <a:r>
+              <a:rPr lang="en-US" dirty="0"/>
+              <a:t>Renzo </a:t>
+            </a:r>
+            <a:r>
+              <a:rPr lang="en-US" dirty="0" err="1"/>
+              <a:t>veldkamp</a:t>
+            </a:r>
+            <a:endParaRPr lang="nl-NL" dirty="0"/>
+          </a:p>
+        </p:txBody>
+      </p:sp>
+    </p:spTree>
+    <p:extLst>
+      <p:ext uri="{BB962C8B-B14F-4D97-AF65-F5344CB8AC3E}">
+        <p14:creationId xmlns:p14="http://schemas.microsoft.com/office/powerpoint/2010/main" val="1991217779"/>
+      </p:ext>
+    </p:extLst>
+  </p:cSld>
+  <p:clrMapOvr>
+    <a:masterClrMapping/>
+  </p:clrMapOvr>
+</p:sld>
+</file>
+
+<file path=ppt/slides/slide7.xml><?xml version="1.0" encoding="utf-8"?>
+<p:sld xmlns:a="http://schemas.openxmlformats.org/drawingml/2006/main" xmlns:r="http://schemas.openxmlformats.org/officeDocument/2006/relationships" xmlns:p="http://schemas.openxmlformats.org/presentationml/2006/main">
+  <p:cSld>
+    <p:spTree>
+      <p:nvGrpSpPr>
+        <p:cNvPr id="1" name=""/>
+        <p:cNvGrpSpPr/>
+        <p:nvPr/>
+      </p:nvGrpSpPr>
+      <p:grpSpPr>
+        <a:xfrm>
+          <a:off x="0" y="0"/>
+          <a:ext cx="0" cy="0"/>
+          <a:chOff x="0" y="0"/>
+          <a:chExt cx="0" cy="0"/>
+        </a:xfrm>
+      </p:grpSpPr>
+      <p:sp>
+        <p:nvSpPr>
+          <p:cNvPr id="2" name="Title 1"/>
+          <p:cNvSpPr>
+            <a:spLocks noGrp="1"/>
+          </p:cNvSpPr>
+          <p:nvPr>
+            <p:ph type="title"/>
+          </p:nvPr>
+        </p:nvSpPr>
+        <p:spPr/>
+        <p:txBody>
+          <a:bodyPr/>
+          <a:lstStyle/>
+          <a:p>
+            <a:r>
+              <a:rPr lang="nl-NL" dirty="0" err="1"/>
+              <a:t>references</a:t>
+            </a:r>
+            <a:endParaRPr lang="nl-NL" dirty="0"/>
           </a:p>
         </p:txBody>
       </p:sp>
@@ -5921,7 +6157,7 @@
                   <a:srgbClr val="009036"/>
                 </a:solidFill>
               </a:rPr>
-              <a:t>17 oktober 2018</a:t>
+              <a:t>14 november 2018</a:t>
             </a:fld>
             <a:endParaRPr lang="nl-NL" sz="900" cap="all" dirty="0">
               <a:solidFill>
